--- a/BusinessManagement/FinancerDocs/003PitchDeck.pptx
+++ b/BusinessManagement/FinancerDocs/003PitchDeck.pptx
@@ -214,6 +214,7 @@
           </a:p>
         </c:rich>
       </c:tx>
+      <c:layout/>
       <c:overlay val="0"/>
       <c:spPr>
         <a:noFill/>
@@ -773,11 +774,11 @@
           <c:showPercent val="0"/>
           <c:showBubbleSize val="0"/>
         </c:dLbls>
-        <c:axId val="-1556296368"/>
-        <c:axId val="-1556295824"/>
+        <c:axId val="-763180224"/>
+        <c:axId val="-861577936"/>
       </c:scatterChart>
       <c:valAx>
-        <c:axId val="-1556296368"/>
+        <c:axId val="-763180224"/>
         <c:scaling>
           <c:orientation val="minMax"/>
         </c:scaling>
@@ -800,12 +801,12 @@
         <c:majorTickMark val="none"/>
         <c:minorTickMark val="none"/>
         <c:tickLblPos val="nextTo"/>
-        <c:crossAx val="-1556295824"/>
+        <c:crossAx val="-861577936"/>
         <c:crosses val="autoZero"/>
         <c:crossBetween val="midCat"/>
       </c:valAx>
       <c:valAx>
-        <c:axId val="-1556295824"/>
+        <c:axId val="-861577936"/>
         <c:scaling>
           <c:orientation val="minMax"/>
         </c:scaling>
@@ -851,6 +852,7 @@
               </a:p>
             </c:rich>
           </c:tx>
+          <c:layout/>
           <c:overlay val="0"/>
           <c:spPr>
             <a:noFill/>
@@ -917,7 +919,7 @@
             <a:endParaRPr lang="en-US"/>
           </a:p>
         </c:txPr>
-        <c:crossAx val="-1556296368"/>
+        <c:crossAx val="-763180224"/>
         <c:crosses val="autoZero"/>
         <c:crossBetween val="midCat"/>
       </c:valAx>
@@ -1162,11 +1164,11 @@
           <c:showPercent val="0"/>
           <c:showBubbleSize val="0"/>
         </c:dLbls>
-        <c:axId val="-1473679728"/>
-        <c:axId val="-1473669936"/>
+        <c:axId val="-861576848"/>
+        <c:axId val="-861574672"/>
       </c:scatterChart>
       <c:valAx>
-        <c:axId val="-1473679728"/>
+        <c:axId val="-861576848"/>
         <c:scaling>
           <c:orientation val="minMax"/>
         </c:scaling>
@@ -1223,12 +1225,12 @@
             <a:endParaRPr lang="en-US"/>
           </a:p>
         </c:txPr>
-        <c:crossAx val="-1473669936"/>
+        <c:crossAx val="-861574672"/>
         <c:crosses val="autoZero"/>
         <c:crossBetween val="midCat"/>
       </c:valAx>
       <c:valAx>
-        <c:axId val="-1473669936"/>
+        <c:axId val="-861574672"/>
         <c:scaling>
           <c:orientation val="minMax"/>
         </c:scaling>
@@ -1285,7 +1287,7 @@
             <a:endParaRPr lang="en-US"/>
           </a:p>
         </c:txPr>
-        <c:crossAx val="-1473679728"/>
+        <c:crossAx val="-861576848"/>
         <c:crosses val="autoZero"/>
         <c:crossBetween val="midCat"/>
       </c:valAx>
@@ -1543,11 +1545,11 @@
           <c:showPercent val="0"/>
           <c:showBubbleSize val="0"/>
         </c:dLbls>
-        <c:axId val="-1473675920"/>
-        <c:axId val="-1473668304"/>
+        <c:axId val="-861577392"/>
+        <c:axId val="-861580112"/>
       </c:scatterChart>
       <c:valAx>
-        <c:axId val="-1473675920"/>
+        <c:axId val="-861577392"/>
         <c:scaling>
           <c:orientation val="minMax"/>
         </c:scaling>
@@ -1604,12 +1606,12 @@
             <a:endParaRPr lang="en-US"/>
           </a:p>
         </c:txPr>
-        <c:crossAx val="-1473668304"/>
+        <c:crossAx val="-861580112"/>
         <c:crosses val="autoZero"/>
         <c:crossBetween val="midCat"/>
       </c:valAx>
       <c:valAx>
-        <c:axId val="-1473668304"/>
+        <c:axId val="-861580112"/>
         <c:scaling>
           <c:orientation val="minMax"/>
         </c:scaling>
@@ -1666,7 +1668,7 @@
             <a:endParaRPr lang="en-US"/>
           </a:p>
         </c:txPr>
-        <c:crossAx val="-1473675920"/>
+        <c:crossAx val="-861577392"/>
         <c:crosses val="autoZero"/>
         <c:crossBetween val="midCat"/>
       </c:valAx>
@@ -1893,11 +1895,11 @@
           <c:showPercent val="0"/>
           <c:showBubbleSize val="0"/>
         </c:dLbls>
-        <c:axId val="-1473677008"/>
-        <c:axId val="-1473669392"/>
+        <c:axId val="-861576304"/>
+        <c:axId val="-861580656"/>
       </c:scatterChart>
       <c:valAx>
-        <c:axId val="-1473677008"/>
+        <c:axId val="-861576304"/>
         <c:scaling>
           <c:orientation val="minMax"/>
         </c:scaling>
@@ -1954,12 +1956,12 @@
             <a:endParaRPr lang="en-US"/>
           </a:p>
         </c:txPr>
-        <c:crossAx val="-1473669392"/>
+        <c:crossAx val="-861580656"/>
         <c:crosses val="autoZero"/>
         <c:crossBetween val="midCat"/>
       </c:valAx>
       <c:valAx>
-        <c:axId val="-1473669392"/>
+        <c:axId val="-861580656"/>
         <c:scaling>
           <c:orientation val="minMax"/>
         </c:scaling>
@@ -2016,7 +2018,7 @@
             <a:endParaRPr lang="en-US"/>
           </a:p>
         </c:txPr>
-        <c:crossAx val="-1473677008"/>
+        <c:crossAx val="-861576304"/>
         <c:crosses val="autoZero"/>
         <c:crossBetween val="midCat"/>
       </c:valAx>
@@ -4819,7 +4821,7 @@
           <a:p>
             <a:fld id="{2CCDD150-63BF-43F2-976F-8A0555E70530}" type="datetimeFigureOut">
               <a:rPr lang="en-AU" smtClean="0"/>
-              <a:t>26/04/2021</a:t>
+              <a:t>4/05/2021</a:t>
             </a:fld>
             <a:endParaRPr lang="en-AU"/>
           </a:p>
@@ -5299,6 +5301,72 @@
           <a:bodyPr/>
           <a:lstStyle/>
           <a:p>
+            <a:r>
+              <a:rPr lang="en-AU" dirty="0" smtClean="0"/>
+              <a:t>Connecting teacher and student only:</a:t>
+            </a:r>
+            <a:r>
+              <a:rPr lang="en-AU" baseline="0" dirty="0" smtClean="0"/>
+              <a:t> Does not leverage the Idea that </a:t>
+            </a:r>
+            <a:r>
+              <a:rPr lang="en-AU" baseline="0" dirty="0" err="1" smtClean="0"/>
+              <a:t>sourse</a:t>
+            </a:r>
+            <a:r>
+              <a:rPr lang="en-AU" baseline="0" dirty="0" smtClean="0"/>
+              <a:t> of education can be recorded and stored</a:t>
+            </a:r>
+          </a:p>
+          <a:p>
+            <a:r>
+              <a:rPr lang="en-AU" baseline="0" dirty="0" smtClean="0"/>
+              <a:t>Best teacher does not get connected to many students</a:t>
+            </a:r>
+          </a:p>
+          <a:p>
+            <a:r>
+              <a:rPr lang="en-AU" baseline="0" dirty="0" smtClean="0"/>
+              <a:t>Production in quality distribution in quantity</a:t>
+            </a:r>
+          </a:p>
+          <a:p>
+            <a:r>
+              <a:rPr lang="en-US" dirty="0" err="1" smtClean="0"/>
+              <a:t>whynot</a:t>
+            </a:r>
+            <a:r>
+              <a:rPr lang="en-US" dirty="0" smtClean="0"/>
+              <a:t> uber-</a:t>
+            </a:r>
+            <a:r>
+              <a:rPr lang="en-US" dirty="0" err="1" smtClean="0"/>
+              <a:t>menulog</a:t>
+            </a:r>
+            <a:r>
+              <a:rPr lang="en-US" dirty="0" smtClean="0"/>
+              <a:t> model of just connecting providers and consumers?</a:t>
+            </a:r>
+          </a:p>
+          <a:p>
+            <a:r>
+              <a:rPr lang="en-US" dirty="0" smtClean="0"/>
+              <a:t>Producing in quality, selling in quantity.</a:t>
+            </a:r>
+          </a:p>
+          <a:p>
+            <a:r>
+              <a:rPr lang="en-US" dirty="0" smtClean="0"/>
+              <a:t>(Netflix model) Piracy protection of Anodiam content</a:t>
+            </a:r>
+          </a:p>
+          <a:p>
+            <a:r>
+              <a:rPr lang="en-US" smtClean="0"/>
+              <a:t>Reduce initial funding</a:t>
+            </a:r>
+          </a:p>
+          <a:p>
             <a:endParaRPr lang="en-AU" dirty="0"/>
           </a:p>
         </p:txBody>
@@ -5950,7 +6018,7 @@
               <a:pPr>
                 <a:defRPr/>
               </a:pPr>
-              <a:t>26/04/2021</a:t>
+              <a:t>4/05/2021</a:t>
             </a:fld>
             <a:endParaRPr lang="en-AU"/>
           </a:p>
@@ -6147,7 +6215,7 @@
               <a:pPr>
                 <a:defRPr/>
               </a:pPr>
-              <a:t>26/04/2021</a:t>
+              <a:t>4/05/2021</a:t>
             </a:fld>
             <a:endParaRPr lang="en-AU"/>
           </a:p>
@@ -6354,7 +6422,7 @@
               <a:pPr>
                 <a:defRPr/>
               </a:pPr>
-              <a:t>26/04/2021</a:t>
+              <a:t>4/05/2021</a:t>
             </a:fld>
             <a:endParaRPr lang="en-AU"/>
           </a:p>
@@ -6499,7 +6567,7 @@
               <a:pPr>
                 <a:defRPr/>
               </a:pPr>
-              <a:t>26/04/2021</a:t>
+              <a:t>4/05/2021</a:t>
             </a:fld>
             <a:endParaRPr lang="en-AU"/>
           </a:p>
@@ -6768,7 +6836,7 @@
               <a:pPr>
                 <a:defRPr/>
               </a:pPr>
-              <a:t>26/04/2021</a:t>
+              <a:t>4/05/2021</a:t>
             </a:fld>
             <a:endParaRPr lang="en-AU"/>
           </a:p>
@@ -6965,7 +7033,7 @@
               <a:pPr>
                 <a:defRPr/>
               </a:pPr>
-              <a:t>26/04/2021</a:t>
+              <a:t>4/05/2021</a:t>
             </a:fld>
             <a:endParaRPr lang="en-AU"/>
           </a:p>
@@ -7238,7 +7306,7 @@
               <a:pPr>
                 <a:defRPr/>
               </a:pPr>
-              <a:t>26/04/2021</a:t>
+              <a:t>4/05/2021</a:t>
             </a:fld>
             <a:endParaRPr lang="en-AU"/>
           </a:p>
@@ -7553,7 +7621,7 @@
               <a:pPr>
                 <a:defRPr/>
               </a:pPr>
-              <a:t>26/04/2021</a:t>
+              <a:t>4/05/2021</a:t>
             </a:fld>
             <a:endParaRPr lang="en-AU"/>
           </a:p>
@@ -8002,7 +8070,7 @@
               <a:pPr>
                 <a:defRPr/>
               </a:pPr>
-              <a:t>26/04/2021</a:t>
+              <a:t>4/05/2021</a:t>
             </a:fld>
             <a:endParaRPr lang="en-AU"/>
           </a:p>
@@ -8147,7 +8215,7 @@
               <a:pPr>
                 <a:defRPr/>
               </a:pPr>
-              <a:t>26/04/2021</a:t>
+              <a:t>4/05/2021</a:t>
             </a:fld>
             <a:endParaRPr lang="en-AU"/>
           </a:p>
@@ -8269,7 +8337,7 @@
               <a:pPr>
                 <a:defRPr/>
               </a:pPr>
-              <a:t>26/04/2021</a:t>
+              <a:t>4/05/2021</a:t>
             </a:fld>
             <a:endParaRPr lang="en-AU"/>
           </a:p>
@@ -8466,7 +8534,7 @@
               <a:pPr>
                 <a:defRPr/>
               </a:pPr>
-              <a:t>26/04/2021</a:t>
+              <a:t>4/05/2021</a:t>
             </a:fld>
             <a:endParaRPr lang="en-AU"/>
           </a:p>
@@ -8770,7 +8838,7 @@
               <a:pPr>
                 <a:defRPr/>
               </a:pPr>
-              <a:t>26/04/2021</a:t>
+              <a:t>4/05/2021</a:t>
             </a:fld>
             <a:endParaRPr lang="en-AU"/>
           </a:p>
@@ -9053,7 +9121,7 @@
               <a:pPr>
                 <a:defRPr/>
               </a:pPr>
-              <a:t>26/04/2021</a:t>
+              <a:t>4/05/2021</a:t>
             </a:fld>
             <a:endParaRPr lang="en-AU"/>
           </a:p>
@@ -9250,7 +9318,7 @@
               <a:pPr>
                 <a:defRPr/>
               </a:pPr>
-              <a:t>26/04/2021</a:t>
+              <a:t>4/05/2021</a:t>
             </a:fld>
             <a:endParaRPr lang="en-AU"/>
           </a:p>
@@ -9426,7 +9494,7 @@
               <a:pPr>
                 <a:defRPr/>
               </a:pPr>
-              <a:t>26/04/2021</a:t>
+              <a:t>4/05/2021</a:t>
             </a:fld>
             <a:endParaRPr lang="en-AU"/>
           </a:p>
@@ -9633,7 +9701,7 @@
               <a:pPr>
                 <a:defRPr/>
               </a:pPr>
-              <a:t>26/04/2021</a:t>
+              <a:t>4/05/2021</a:t>
             </a:fld>
             <a:endParaRPr lang="en-AU"/>
           </a:p>
@@ -9778,7 +9846,7 @@
               <a:pPr>
                 <a:defRPr/>
               </a:pPr>
-              <a:t>26/04/2021</a:t>
+              <a:t>4/05/2021</a:t>
             </a:fld>
             <a:endParaRPr lang="en-AU"/>
           </a:p>
@@ -9923,7 +9991,7 @@
               <a:pPr>
                 <a:defRPr/>
               </a:pPr>
-              <a:t>26/04/2021</a:t>
+              <a:t>4/05/2021</a:t>
             </a:fld>
             <a:endParaRPr lang="en-AU"/>
           </a:p>
@@ -10068,7 +10136,7 @@
               <a:pPr>
                 <a:defRPr/>
               </a:pPr>
-              <a:t>26/04/2021</a:t>
+              <a:t>4/05/2021</a:t>
             </a:fld>
             <a:endParaRPr lang="en-AU"/>
           </a:p>
@@ -10341,7 +10409,7 @@
               <a:pPr>
                 <a:defRPr/>
               </a:pPr>
-              <a:t>26/04/2021</a:t>
+              <a:t>4/05/2021</a:t>
             </a:fld>
             <a:endParaRPr lang="en-AU"/>
           </a:p>
@@ -10656,7 +10724,7 @@
               <a:pPr>
                 <a:defRPr/>
               </a:pPr>
-              <a:t>26/04/2021</a:t>
+              <a:t>4/05/2021</a:t>
             </a:fld>
             <a:endParaRPr lang="en-AU"/>
           </a:p>
@@ -11105,7 +11173,7 @@
               <a:pPr>
                 <a:defRPr/>
               </a:pPr>
-              <a:t>26/04/2021</a:t>
+              <a:t>4/05/2021</a:t>
             </a:fld>
             <a:endParaRPr lang="en-AU"/>
           </a:p>
@@ -11250,7 +11318,7 @@
               <a:pPr>
                 <a:defRPr/>
               </a:pPr>
-              <a:t>26/04/2021</a:t>
+              <a:t>4/05/2021</a:t>
             </a:fld>
             <a:endParaRPr lang="en-AU"/>
           </a:p>
@@ -11372,7 +11440,7 @@
               <a:pPr>
                 <a:defRPr/>
               </a:pPr>
-              <a:t>26/04/2021</a:t>
+              <a:t>4/05/2021</a:t>
             </a:fld>
             <a:endParaRPr lang="en-AU"/>
           </a:p>
@@ -11676,7 +11744,7 @@
               <a:pPr>
                 <a:defRPr/>
               </a:pPr>
-              <a:t>26/04/2021</a:t>
+              <a:t>4/05/2021</a:t>
             </a:fld>
             <a:endParaRPr lang="en-AU"/>
           </a:p>
@@ -11963,7 +12031,7 @@
               <a:pPr>
                 <a:defRPr/>
               </a:pPr>
-              <a:t>26/04/2021</a:t>
+              <a:t>4/05/2021</a:t>
             </a:fld>
             <a:endParaRPr lang="en-AU"/>
           </a:p>
@@ -12261,7 +12329,7 @@
               <a:pPr>
                 <a:defRPr/>
               </a:pPr>
-              <a:t>26/04/2021</a:t>
+              <a:t>4/05/2021</a:t>
             </a:fld>
             <a:endParaRPr lang="en-AU"/>
           </a:p>
@@ -12987,7 +13055,7 @@
               <a:pPr>
                 <a:defRPr/>
               </a:pPr>
-              <a:t>26/04/2021</a:t>
+              <a:t>4/05/2021</a:t>
             </a:fld>
             <a:endParaRPr lang="en-AU"/>
           </a:p>
